--- a/Noodle.pptx
+++ b/Noodle.pptx
@@ -110,6 +110,11 @@
       </a:defRPr>
     </a:lvl9pPr>
   </p:defaultTextStyle>
+  <p:extLst>
+    <p:ext uri="{EFAFB233-063F-42B5-8137-9DF3F51BA10A}">
+      <p15:sldGuideLst xmlns:p15="http://schemas.microsoft.com/office/powerpoint/2012/main"/>
+    </p:ext>
+  </p:extLst>
 </p:presentation>
 </file>
 
@@ -835,7 +840,7 @@
           <a:p>
             <a:fld id="{C822979C-D000-4DDF-882D-0C15CD52641B}" type="datetimeFigureOut">
               <a:rPr lang="en-GB" smtClean="0"/>
-              <a:t>21/03/2017</a:t>
+              <a:t>23/03/2017</a:t>
             </a:fld>
             <a:endParaRPr lang="en-GB"/>
           </a:p>
@@ -1086,7 +1091,7 @@
           <a:p>
             <a:fld id="{C822979C-D000-4DDF-882D-0C15CD52641B}" type="datetimeFigureOut">
               <a:rPr lang="en-GB" smtClean="0"/>
-              <a:t>21/03/2017</a:t>
+              <a:t>23/03/2017</a:t>
             </a:fld>
             <a:endParaRPr lang="en-GB"/>
           </a:p>
@@ -1400,7 +1405,7 @@
           <a:p>
             <a:fld id="{C822979C-D000-4DDF-882D-0C15CD52641B}" type="datetimeFigureOut">
               <a:rPr lang="en-GB" smtClean="0"/>
-              <a:t>21/03/2017</a:t>
+              <a:t>23/03/2017</a:t>
             </a:fld>
             <a:endParaRPr lang="en-GB"/>
           </a:p>
@@ -1741,7 +1746,7 @@
           <a:p>
             <a:fld id="{C822979C-D000-4DDF-882D-0C15CD52641B}" type="datetimeFigureOut">
               <a:rPr lang="en-GB" smtClean="0"/>
-              <a:t>21/03/2017</a:t>
+              <a:t>23/03/2017</a:t>
             </a:fld>
             <a:endParaRPr lang="en-GB"/>
           </a:p>
@@ -2055,7 +2060,7 @@
           <a:p>
             <a:fld id="{C822979C-D000-4DDF-882D-0C15CD52641B}" type="datetimeFigureOut">
               <a:rPr lang="en-GB" smtClean="0"/>
-              <a:t>21/03/2017</a:t>
+              <a:t>23/03/2017</a:t>
             </a:fld>
             <a:endParaRPr lang="en-GB"/>
           </a:p>
@@ -2448,7 +2453,7 @@
           <a:p>
             <a:fld id="{C822979C-D000-4DDF-882D-0C15CD52641B}" type="datetimeFigureOut">
               <a:rPr lang="en-GB" smtClean="0"/>
-              <a:t>21/03/2017</a:t>
+              <a:t>23/03/2017</a:t>
             </a:fld>
             <a:endParaRPr lang="en-GB"/>
           </a:p>
@@ -2618,7 +2623,7 @@
           <a:p>
             <a:fld id="{C822979C-D000-4DDF-882D-0C15CD52641B}" type="datetimeFigureOut">
               <a:rPr lang="en-GB" smtClean="0"/>
-              <a:t>21/03/2017</a:t>
+              <a:t>23/03/2017</a:t>
             </a:fld>
             <a:endParaRPr lang="en-GB"/>
           </a:p>
@@ -2798,7 +2803,7 @@
           <a:p>
             <a:fld id="{C822979C-D000-4DDF-882D-0C15CD52641B}" type="datetimeFigureOut">
               <a:rPr lang="en-GB" smtClean="0"/>
-              <a:t>21/03/2017</a:t>
+              <a:t>23/03/2017</a:t>
             </a:fld>
             <a:endParaRPr lang="en-GB"/>
           </a:p>
@@ -2974,7 +2979,7 @@
           <a:p>
             <a:fld id="{C822979C-D000-4DDF-882D-0C15CD52641B}" type="datetimeFigureOut">
               <a:rPr lang="en-GB" smtClean="0"/>
-              <a:t>21/03/2017</a:t>
+              <a:t>23/03/2017</a:t>
             </a:fld>
             <a:endParaRPr lang="en-GB"/>
           </a:p>
@@ -3221,7 +3226,7 @@
           <a:p>
             <a:fld id="{C822979C-D000-4DDF-882D-0C15CD52641B}" type="datetimeFigureOut">
               <a:rPr lang="en-GB" smtClean="0"/>
-              <a:t>21/03/2017</a:t>
+              <a:t>23/03/2017</a:t>
             </a:fld>
             <a:endParaRPr lang="en-GB"/>
           </a:p>
@@ -3453,7 +3458,7 @@
           <a:p>
             <a:fld id="{C822979C-D000-4DDF-882D-0C15CD52641B}" type="datetimeFigureOut">
               <a:rPr lang="en-GB" smtClean="0"/>
-              <a:t>21/03/2017</a:t>
+              <a:t>23/03/2017</a:t>
             </a:fld>
             <a:endParaRPr lang="en-GB"/>
           </a:p>
@@ -3827,7 +3832,7 @@
           <a:p>
             <a:fld id="{C822979C-D000-4DDF-882D-0C15CD52641B}" type="datetimeFigureOut">
               <a:rPr lang="en-GB" smtClean="0"/>
-              <a:t>21/03/2017</a:t>
+              <a:t>23/03/2017</a:t>
             </a:fld>
             <a:endParaRPr lang="en-GB"/>
           </a:p>
@@ -3950,7 +3955,7 @@
           <a:p>
             <a:fld id="{C822979C-D000-4DDF-882D-0C15CD52641B}" type="datetimeFigureOut">
               <a:rPr lang="en-GB" smtClean="0"/>
-              <a:t>21/03/2017</a:t>
+              <a:t>23/03/2017</a:t>
             </a:fld>
             <a:endParaRPr lang="en-GB"/>
           </a:p>
@@ -4045,7 +4050,7 @@
           <a:p>
             <a:fld id="{C822979C-D000-4DDF-882D-0C15CD52641B}" type="datetimeFigureOut">
               <a:rPr lang="en-GB" smtClean="0"/>
-              <a:t>21/03/2017</a:t>
+              <a:t>23/03/2017</a:t>
             </a:fld>
             <a:endParaRPr lang="en-GB"/>
           </a:p>
@@ -4300,7 +4305,7 @@
           <a:p>
             <a:fld id="{C822979C-D000-4DDF-882D-0C15CD52641B}" type="datetimeFigureOut">
               <a:rPr lang="en-GB" smtClean="0"/>
-              <a:t>21/03/2017</a:t>
+              <a:t>23/03/2017</a:t>
             </a:fld>
             <a:endParaRPr lang="en-GB"/>
           </a:p>
@@ -4563,7 +4568,7 @@
           <a:p>
             <a:fld id="{C822979C-D000-4DDF-882D-0C15CD52641B}" type="datetimeFigureOut">
               <a:rPr lang="en-GB" smtClean="0"/>
-              <a:t>21/03/2017</a:t>
+              <a:t>23/03/2017</a:t>
             </a:fld>
             <a:endParaRPr lang="en-GB"/>
           </a:p>
@@ -5306,7 +5311,7 @@
           <a:p>
             <a:fld id="{C822979C-D000-4DDF-882D-0C15CD52641B}" type="datetimeFigureOut">
               <a:rPr lang="en-GB" smtClean="0"/>
-              <a:t>21/03/2017</a:t>
+              <a:t>23/03/2017</a:t>
             </a:fld>
             <a:endParaRPr lang="en-GB"/>
           </a:p>
@@ -6418,8 +6423,10 @@
           <a:lstStyle/>
           <a:p>
             <a:r>
-              <a:rPr lang="en-GB" dirty="0"/>
-              <a:t>http://localhost:8000/</a:t>
+              <a:rPr lang="en-GB" dirty="0">
+                <a:hlinkClick r:id="rId2"/>
+              </a:rPr>
+              <a:t>http://2229639d.pythonanywhere.com/</a:t>
             </a:r>
             <a:endParaRPr lang="en-GB" dirty="0"/>
           </a:p>
